--- a/Design_Draft.pptx
+++ b/Design_Draft.pptx
@@ -5903,7 +5903,7 @@
         </p:nvSpPr>
         <p:spPr>
           <a:xfrm>
-            <a:off x="7877452" y="763480"/>
+            <a:off x="7910002" y="754065"/>
             <a:ext cx="3142695" cy="3746376"/>
           </a:xfrm>
           <a:prstGeom prst="rect">
@@ -6631,7 +6631,7 @@
             <a:avLst/>
           </a:prstGeom>
           <a:solidFill>
-            <a:srgbClr val="FFFF00"/>
+            <a:srgbClr val="92D050"/>
           </a:solidFill>
         </p:spPr>
         <p:style>
@@ -6680,7 +6680,7 @@
             <a:avLst/>
           </a:prstGeom>
           <a:solidFill>
-            <a:srgbClr val="FFFF00"/>
+            <a:srgbClr val="92D050"/>
           </a:solidFill>
         </p:spPr>
         <p:style>
@@ -6729,7 +6729,7 @@
             <a:avLst/>
           </a:prstGeom>
           <a:solidFill>
-            <a:srgbClr val="FFFF00"/>
+            <a:srgbClr val="92D050"/>
           </a:solidFill>
         </p:spPr>
         <p:style>
@@ -6778,7 +6778,7 @@
             <a:avLst/>
           </a:prstGeom>
           <a:solidFill>
-            <a:srgbClr val="FFFF00"/>
+            <a:srgbClr val="92D050"/>
           </a:solidFill>
         </p:spPr>
         <p:style>
@@ -6918,7 +6918,7 @@
         </p:nvCxnSpPr>
         <p:spPr>
           <a:xfrm>
-            <a:off x="10160000" y="2636668"/>
+            <a:off x="9218965" y="2636668"/>
             <a:ext cx="0" cy="106525"/>
           </a:xfrm>
           <a:prstGeom prst="line">
@@ -6954,7 +6954,7 @@
         </p:nvCxnSpPr>
         <p:spPr>
           <a:xfrm>
-            <a:off x="10170160" y="2799228"/>
+            <a:off x="9211372" y="2816984"/>
             <a:ext cx="0" cy="106525"/>
           </a:xfrm>
           <a:prstGeom prst="line">
@@ -6990,7 +6990,7 @@
         </p:nvCxnSpPr>
         <p:spPr>
           <a:xfrm>
-            <a:off x="10180320" y="2994224"/>
+            <a:off x="9203779" y="2994224"/>
             <a:ext cx="0" cy="106525"/>
           </a:xfrm>
           <a:prstGeom prst="line">
@@ -7026,7 +7026,7 @@
         </p:nvCxnSpPr>
         <p:spPr>
           <a:xfrm>
-            <a:off x="10190480" y="3185308"/>
+            <a:off x="9213942" y="3185308"/>
             <a:ext cx="0" cy="106525"/>
           </a:xfrm>
           <a:prstGeom prst="line">
@@ -7098,7 +7098,7 @@
         </p:nvCxnSpPr>
         <p:spPr>
           <a:xfrm>
-            <a:off x="10200640" y="3561228"/>
+            <a:off x="9508181" y="3561228"/>
             <a:ext cx="0" cy="106525"/>
           </a:xfrm>
           <a:prstGeom prst="line">
@@ -7397,10 +7397,10 @@
       </p:sp>
       <p:sp>
         <p:nvSpPr>
-          <p:cNvPr id="45" name="Oval 44">
+          <p:cNvPr id="46" name="Rectangle 45">
             <a:extLst>
               <a:ext uri="{FF2B5EF4-FFF2-40B4-BE49-F238E27FC236}">
-                <a16:creationId xmlns:a16="http://schemas.microsoft.com/office/drawing/2014/main" id="{4E3B574A-7C16-4D52-A3A3-DC917DEF1C26}"/>
+                <a16:creationId xmlns:a16="http://schemas.microsoft.com/office/drawing/2014/main" id="{09830721-C51F-4D9D-9293-1A6F807E2634}"/>
               </a:ext>
             </a:extLst>
           </p:cNvPr>
@@ -7409,15 +7409,12 @@
         </p:nvSpPr>
         <p:spPr>
           <a:xfrm>
-            <a:off x="10761254" y="3566161"/>
-            <a:ext cx="152400" cy="152400"/>
-          </a:xfrm>
-          <a:prstGeom prst="ellipse">
+            <a:off x="8849360" y="4094480"/>
+            <a:ext cx="1088933" cy="261610"/>
+          </a:xfrm>
+          <a:prstGeom prst="rect">
             <a:avLst/>
           </a:prstGeom>
-          <a:solidFill>
-            <a:srgbClr val="92D050"/>
-          </a:solidFill>
         </p:spPr>
         <p:style>
           <a:lnRef idx="2">
@@ -7441,21 +7438,19 @@
           <a:p>
             <a:pPr algn="ctr"/>
             <a:r>
-              <a:rPr lang="en-US" sz="900" dirty="0">
-                <a:sym typeface="Wingdings" panose="05000000000000000000" pitchFamily="2" charset="2"/>
-              </a:rPr>
-              <a:t></a:t>
-            </a:r>
-            <a:endParaRPr lang="en-MY" sz="900" dirty="0"/>
-          </a:p>
-        </p:txBody>
-      </p:sp>
-      <p:sp>
-        <p:nvSpPr>
-          <p:cNvPr id="46" name="Rectangle 45">
+              <a:rPr lang="en-US" sz="1400" dirty="0" err="1"/>
+              <a:t>Makanan</a:t>
+            </a:r>
+            <a:endParaRPr lang="en-MY" sz="1400" dirty="0"/>
+          </a:p>
+        </p:txBody>
+      </p:sp>
+      <p:sp>
+        <p:nvSpPr>
+          <p:cNvPr id="47" name="Isosceles Triangle 46">
             <a:extLst>
               <a:ext uri="{FF2B5EF4-FFF2-40B4-BE49-F238E27FC236}">
-                <a16:creationId xmlns:a16="http://schemas.microsoft.com/office/drawing/2014/main" id="{09830721-C51F-4D9D-9293-1A6F807E2634}"/>
+                <a16:creationId xmlns:a16="http://schemas.microsoft.com/office/drawing/2014/main" id="{266D68DF-8ADB-4C5F-B029-C1D332D188AE}"/>
               </a:ext>
             </a:extLst>
           </p:cNvPr>
@@ -7463,11 +7458,11 @@
           <p:nvPr/>
         </p:nvSpPr>
         <p:spPr>
-          <a:xfrm>
-            <a:off x="8849360" y="4094480"/>
-            <a:ext cx="1088933" cy="261610"/>
-          </a:xfrm>
-          <a:prstGeom prst="rect">
+          <a:xfrm rot="5400000">
+            <a:off x="10033000" y="4114179"/>
+            <a:ext cx="254000" cy="222212"/>
+          </a:xfrm>
+          <a:prstGeom prst="triangle">
             <a:avLst/>
           </a:prstGeom>
         </p:spPr>
@@ -7492,20 +7487,70 @@
           <a:lstStyle/>
           <a:p>
             <a:pPr algn="ctr"/>
-            <a:r>
-              <a:rPr lang="en-US" sz="1400" dirty="0" err="1"/>
-              <a:t>Makanan</a:t>
-            </a:r>
-            <a:endParaRPr lang="en-MY" sz="1400" dirty="0"/>
-          </a:p>
-        </p:txBody>
-      </p:sp>
-      <p:sp>
-        <p:nvSpPr>
-          <p:cNvPr id="47" name="Isosceles Triangle 46">
+            <a:endParaRPr lang="en-MY"/>
+          </a:p>
+        </p:txBody>
+      </p:sp>
+      <p:sp>
+        <p:nvSpPr>
+          <p:cNvPr id="2" name="TextBox 1">
             <a:extLst>
               <a:ext uri="{FF2B5EF4-FFF2-40B4-BE49-F238E27FC236}">
-                <a16:creationId xmlns:a16="http://schemas.microsoft.com/office/drawing/2014/main" id="{266D68DF-8ADB-4C5F-B029-C1D332D188AE}"/>
+                <a16:creationId xmlns:a16="http://schemas.microsoft.com/office/drawing/2014/main" id="{479F6F3F-9B3E-42C2-8B8D-B2720A03A123}"/>
+              </a:ext>
+            </a:extLst>
+          </p:cNvPr>
+          <p:cNvSpPr txBox="1"/>
+          <p:nvPr/>
+        </p:nvSpPr>
+        <p:spPr>
+          <a:xfrm>
+            <a:off x="7844900" y="4894191"/>
+            <a:ext cx="3207797" cy="1477328"/>
+          </a:xfrm>
+          <a:prstGeom prst="rect">
+            <a:avLst/>
+          </a:prstGeom>
+          <a:noFill/>
+        </p:spPr>
+        <p:txBody>
+          <a:bodyPr wrap="square" rtlCol="0">
+            <a:spAutoFit/>
+          </a:bodyPr>
+          <a:lstStyle/>
+          <a:p>
+            <a:r>
+              <a:rPr lang="en-US" dirty="0"/>
+              <a:t>Calculation should be:</a:t>
+            </a:r>
+          </a:p>
+          <a:p>
+            <a:r>
+              <a:rPr lang="en-US" dirty="0"/>
+              <a:t>Total recommended calories: 1000</a:t>
+            </a:r>
+          </a:p>
+          <a:p>
+            <a:r>
+              <a:rPr lang="en-US" dirty="0"/>
+              <a:t>Today consumption: 800</a:t>
+            </a:r>
+          </a:p>
+          <a:p>
+            <a:r>
+              <a:rPr lang="en-US" dirty="0"/>
+              <a:t>Final: -200 (Warning!)</a:t>
+            </a:r>
+            <a:endParaRPr lang="en-MY" dirty="0"/>
+          </a:p>
+        </p:txBody>
+      </p:sp>
+      <p:sp>
+        <p:nvSpPr>
+          <p:cNvPr id="48" name="Oval 47">
+            <a:extLst>
+              <a:ext uri="{FF2B5EF4-FFF2-40B4-BE49-F238E27FC236}">
+                <a16:creationId xmlns:a16="http://schemas.microsoft.com/office/drawing/2014/main" id="{FAE6DA43-98E9-45DE-8786-982111B38BF5}"/>
               </a:ext>
             </a:extLst>
           </p:cNvPr>
@@ -7513,13 +7558,16 @@
           <p:nvPr/>
         </p:nvSpPr>
         <p:spPr>
-          <a:xfrm rot="5400000">
-            <a:off x="10033000" y="4114179"/>
-            <a:ext cx="254000" cy="222212"/>
-          </a:xfrm>
-          <a:prstGeom prst="triangle">
+          <a:xfrm>
+            <a:off x="10751094" y="3582874"/>
+            <a:ext cx="152400" cy="152400"/>
+          </a:xfrm>
+          <a:prstGeom prst="ellipse">
             <a:avLst/>
           </a:prstGeom>
+          <a:solidFill>
+            <a:srgbClr val="FF0000"/>
+          </a:solidFill>
         </p:spPr>
         <p:style>
           <a:lnRef idx="2">
@@ -7542,7 +7590,13 @@
           <a:lstStyle/>
           <a:p>
             <a:pPr algn="ctr"/>
-            <a:endParaRPr lang="en-MY"/>
+            <a:r>
+              <a:rPr lang="en-US" sz="900" dirty="0">
+                <a:sym typeface="Wingdings" panose="05000000000000000000" pitchFamily="2" charset="2"/>
+              </a:rPr>
+              <a:t>!</a:t>
+            </a:r>
+            <a:endParaRPr lang="en-MY" sz="900" dirty="0"/>
           </a:p>
         </p:txBody>
       </p:sp>

--- a/Design_Draft.pptx
+++ b/Design_Draft.pptx
@@ -6,9 +6,13 @@
   </p:sldMasterIdLst>
   <p:sldIdLst>
     <p:sldId id="256" r:id="rId2"/>
-    <p:sldId id="257" r:id="rId3"/>
-    <p:sldId id="258" r:id="rId4"/>
-    <p:sldId id="259" r:id="rId5"/>
+    <p:sldId id="263" r:id="rId3"/>
+    <p:sldId id="257" r:id="rId4"/>
+    <p:sldId id="262" r:id="rId5"/>
+    <p:sldId id="264" r:id="rId6"/>
+    <p:sldId id="261" r:id="rId7"/>
+    <p:sldId id="258" r:id="rId8"/>
+    <p:sldId id="259" r:id="rId9"/>
   </p:sldIdLst>
   <p:sldSz cx="12192000" cy="6858000"/>
   <p:notesSz cx="6858000" cy="9144000"/>
@@ -5333,12 +5337,21 @@
             <p:ph type="ctrTitle"/>
           </p:nvPr>
         </p:nvSpPr>
-        <p:spPr/>
+        <p:spPr>
+          <a:xfrm>
+            <a:off x="684212" y="685800"/>
+            <a:ext cx="4397328" cy="2234822"/>
+          </a:xfrm>
+        </p:spPr>
         <p:txBody>
           <a:bodyPr/>
           <a:lstStyle/>
           <a:p>
-            <a:endParaRPr lang="en-MY"/>
+            <a:r>
+              <a:rPr lang="en-US" dirty="0"/>
+              <a:t>ASOH</a:t>
+            </a:r>
+            <a:endParaRPr lang="en-MY" dirty="0"/>
           </a:p>
         </p:txBody>
       </p:sp>
@@ -5358,15 +5371,192 @@
             <p:ph type="subTitle" idx="1"/>
           </p:nvPr>
         </p:nvSpPr>
-        <p:spPr/>
-        <p:txBody>
-          <a:bodyPr/>
-          <a:lstStyle/>
-          <a:p>
-            <a:endParaRPr lang="en-MY"/>
-          </a:p>
-        </p:txBody>
-      </p:sp>
+        <p:spPr>
+          <a:xfrm>
+            <a:off x="684212" y="3843867"/>
+            <a:ext cx="4397328" cy="1947333"/>
+          </a:xfrm>
+        </p:spPr>
+        <p:txBody>
+          <a:bodyPr>
+            <a:normAutofit/>
+          </a:bodyPr>
+          <a:lstStyle/>
+          <a:p>
+            <a:r>
+              <a:rPr lang="en-US" dirty="0">
+                <a:solidFill>
+                  <a:schemeClr val="tx1"/>
+                </a:solidFill>
+              </a:rPr>
+              <a:t>Presented by: </a:t>
+            </a:r>
+          </a:p>
+          <a:p>
+            <a:r>
+              <a:rPr lang="en-US" dirty="0">
+                <a:solidFill>
+                  <a:schemeClr val="tx1"/>
+                </a:solidFill>
+              </a:rPr>
+              <a:t>Khairul </a:t>
+            </a:r>
+            <a:r>
+              <a:rPr lang="en-US" dirty="0" err="1">
+                <a:solidFill>
+                  <a:schemeClr val="tx1"/>
+                </a:solidFill>
+              </a:rPr>
+              <a:t>Nazran</a:t>
+            </a:r>
+            <a:endParaRPr lang="en-US" dirty="0">
+              <a:solidFill>
+                <a:schemeClr val="tx1"/>
+              </a:solidFill>
+            </a:endParaRPr>
+          </a:p>
+          <a:p>
+            <a:endParaRPr lang="en-US" dirty="0">
+              <a:solidFill>
+                <a:schemeClr val="tx1"/>
+              </a:solidFill>
+            </a:endParaRPr>
+          </a:p>
+          <a:p>
+            <a:r>
+              <a:rPr lang="en-US" dirty="0">
+                <a:solidFill>
+                  <a:schemeClr val="tx1"/>
+                </a:solidFill>
+              </a:rPr>
+              <a:t>S</a:t>
+            </a:r>
+            <a:r>
+              <a:rPr lang="en-MY" dirty="0" err="1">
+                <a:solidFill>
+                  <a:schemeClr val="tx1"/>
+                </a:solidFill>
+              </a:rPr>
+              <a:t>eptember</a:t>
+            </a:r>
+            <a:r>
+              <a:rPr lang="en-MY" dirty="0">
+                <a:solidFill>
+                  <a:schemeClr val="tx1"/>
+                </a:solidFill>
+              </a:rPr>
+              <a:t> 2018</a:t>
+            </a:r>
+          </a:p>
+        </p:txBody>
+      </p:sp>
+      <p:pic>
+        <p:nvPicPr>
+          <p:cNvPr id="5" name="Picture 4">
+            <a:extLst>
+              <a:ext uri="{FF2B5EF4-FFF2-40B4-BE49-F238E27FC236}">
+                <a16:creationId xmlns:a16="http://schemas.microsoft.com/office/drawing/2014/main" id="{D59FC528-FCB2-4D5E-AC4A-EA9FC06C9DA5}"/>
+              </a:ext>
+            </a:extLst>
+          </p:cNvPr>
+          <p:cNvPicPr>
+            <a:picLocks noChangeAspect="1"/>
+          </p:cNvPicPr>
+          <p:nvPr/>
+        </p:nvPicPr>
+        <p:blipFill>
+          <a:blip r:embed="rId2"/>
+          <a:stretch>
+            <a:fillRect/>
+          </a:stretch>
+        </p:blipFill>
+        <p:spPr>
+          <a:xfrm>
+            <a:off x="5254917" y="383958"/>
+            <a:ext cx="6509983" cy="2234822"/>
+          </a:xfrm>
+          <a:prstGeom prst="rect">
+            <a:avLst/>
+          </a:prstGeom>
+        </p:spPr>
+      </p:pic>
+      <p:pic>
+        <p:nvPicPr>
+          <p:cNvPr id="7" name="Picture 6">
+            <a:extLst>
+              <a:ext uri="{FF2B5EF4-FFF2-40B4-BE49-F238E27FC236}">
+                <a16:creationId xmlns:a16="http://schemas.microsoft.com/office/drawing/2014/main" id="{F01254B2-578C-4651-A6BE-5C1D4EAF65DA}"/>
+              </a:ext>
+            </a:extLst>
+          </p:cNvPr>
+          <p:cNvPicPr>
+            <a:picLocks noChangeAspect="1"/>
+          </p:cNvPicPr>
+          <p:nvPr/>
+        </p:nvPicPr>
+        <p:blipFill>
+          <a:blip r:embed="rId3"/>
+          <a:stretch>
+            <a:fillRect/>
+          </a:stretch>
+        </p:blipFill>
+        <p:spPr>
+          <a:xfrm>
+            <a:off x="9703558" y="6360312"/>
+            <a:ext cx="2488442" cy="497688"/>
+          </a:xfrm>
+          <a:prstGeom prst="rect">
+            <a:avLst/>
+          </a:prstGeom>
+        </p:spPr>
+      </p:pic>
+      <p:pic>
+        <p:nvPicPr>
+          <p:cNvPr id="2050" name="Picture 2" descr="http://ppn.kelantan.gov.my/ppn/images/logo/MAMPU.png">
+            <a:extLst>
+              <a:ext uri="{FF2B5EF4-FFF2-40B4-BE49-F238E27FC236}">
+                <a16:creationId xmlns:a16="http://schemas.microsoft.com/office/drawing/2014/main" id="{28073FDE-36EB-40F4-A435-25965152989A}"/>
+              </a:ext>
+            </a:extLst>
+          </p:cNvPr>
+          <p:cNvPicPr>
+            <a:picLocks noChangeAspect="1" noChangeArrowheads="1"/>
+          </p:cNvPicPr>
+          <p:nvPr/>
+        </p:nvPicPr>
+        <p:blipFill>
+          <a:blip r:embed="rId4">
+            <a:extLst>
+              <a:ext uri="{28A0092B-C50C-407E-A947-70E740481C1C}">
+                <a14:useLocalDpi xmlns:a14="http://schemas.microsoft.com/office/drawing/2010/main" val="0"/>
+              </a:ext>
+            </a:extLst>
+          </a:blip>
+          <a:srcRect/>
+          <a:stretch>
+            <a:fillRect/>
+          </a:stretch>
+        </p:blipFill>
+        <p:spPr bwMode="auto">
+          <a:xfrm>
+            <a:off x="7429500" y="5145538"/>
+            <a:ext cx="4762500" cy="962422"/>
+          </a:xfrm>
+          <a:prstGeom prst="rect">
+            <a:avLst/>
+          </a:prstGeom>
+          <a:noFill/>
+          <a:extLst>
+            <a:ext uri="{909E8E84-426E-40DD-AFC4-6F175D3DCCD1}">
+              <a14:hiddenFill xmlns:a14="http://schemas.microsoft.com/office/drawing/2010/main">
+                <a:solidFill>
+                  <a:srgbClr val="FFFFFF"/>
+                </a:solidFill>
+              </a14:hiddenFill>
+            </a:ext>
+          </a:extLst>
+        </p:spPr>
+      </p:pic>
     </p:spTree>
     <p:extLst>
       <p:ext uri="{BB962C8B-B14F-4D97-AF65-F5344CB8AC3E}">
@@ -5399,6 +5589,486 @@
       </p:grpSpPr>
       <p:sp>
         <p:nvSpPr>
+          <p:cNvPr id="4" name="Text Placeholder 3">
+            <a:extLst>
+              <a:ext uri="{FF2B5EF4-FFF2-40B4-BE49-F238E27FC236}">
+                <a16:creationId xmlns:a16="http://schemas.microsoft.com/office/drawing/2014/main" id="{8C476C90-1C91-44BC-8D3F-DC78948F55DD}"/>
+              </a:ext>
+            </a:extLst>
+          </p:cNvPr>
+          <p:cNvSpPr>
+            <a:spLocks noGrp="1"/>
+          </p:cNvSpPr>
+          <p:nvPr>
+            <p:ph type="body" sz="half" idx="2"/>
+          </p:nvPr>
+        </p:nvSpPr>
+        <p:spPr>
+          <a:xfrm>
+            <a:off x="924480" y="652606"/>
+            <a:ext cx="6021388" cy="519061"/>
+          </a:xfrm>
+        </p:spPr>
+        <p:txBody>
+          <a:bodyPr/>
+          <a:lstStyle/>
+          <a:p>
+            <a:r>
+              <a:rPr lang="fi-FI" dirty="0">
+                <a:solidFill>
+                  <a:schemeClr val="bg1"/>
+                </a:solidFill>
+              </a:rPr>
+              <a:t>Terima kasih kepada pasukan penganjur kami:</a:t>
+            </a:r>
+            <a:endParaRPr lang="en-MY" dirty="0">
+              <a:solidFill>
+                <a:schemeClr val="bg1"/>
+              </a:solidFill>
+            </a:endParaRPr>
+          </a:p>
+        </p:txBody>
+      </p:sp>
+      <p:pic>
+        <p:nvPicPr>
+          <p:cNvPr id="1026" name="Picture 2" descr="Image result for mampu data logo">
+            <a:extLst>
+              <a:ext uri="{FF2B5EF4-FFF2-40B4-BE49-F238E27FC236}">
+                <a16:creationId xmlns:a16="http://schemas.microsoft.com/office/drawing/2014/main" id="{E7BDECFA-74A7-4310-B460-522683BB51A9}"/>
+              </a:ext>
+            </a:extLst>
+          </p:cNvPr>
+          <p:cNvPicPr>
+            <a:picLocks noChangeAspect="1" noChangeArrowheads="1"/>
+          </p:cNvPicPr>
+          <p:nvPr/>
+        </p:nvPicPr>
+        <p:blipFill>
+          <a:blip r:embed="rId2">
+            <a:extLst>
+              <a:ext uri="{28A0092B-C50C-407E-A947-70E740481C1C}">
+                <a14:useLocalDpi xmlns:a14="http://schemas.microsoft.com/office/drawing/2010/main" val="0"/>
+              </a:ext>
+            </a:extLst>
+          </a:blip>
+          <a:srcRect/>
+          <a:stretch>
+            <a:fillRect/>
+          </a:stretch>
+        </p:blipFill>
+        <p:spPr bwMode="auto">
+          <a:xfrm>
+            <a:off x="924480" y="985236"/>
+            <a:ext cx="9027388" cy="2891454"/>
+          </a:xfrm>
+          <a:prstGeom prst="rect">
+            <a:avLst/>
+          </a:prstGeom>
+          <a:noFill/>
+          <a:extLst>
+            <a:ext uri="{909E8E84-426E-40DD-AFC4-6F175D3DCCD1}">
+              <a14:hiddenFill xmlns:a14="http://schemas.microsoft.com/office/drawing/2010/main">
+                <a:solidFill>
+                  <a:srgbClr val="FFFFFF"/>
+                </a:solidFill>
+              </a14:hiddenFill>
+            </a:ext>
+          </a:extLst>
+        </p:spPr>
+      </p:pic>
+      <p:pic>
+        <p:nvPicPr>
+          <p:cNvPr id="12" name="Picture 11">
+            <a:extLst>
+              <a:ext uri="{FF2B5EF4-FFF2-40B4-BE49-F238E27FC236}">
+                <a16:creationId xmlns:a16="http://schemas.microsoft.com/office/drawing/2014/main" id="{05EC9F3D-9354-4623-A002-B57E34CAB3D8}"/>
+              </a:ext>
+            </a:extLst>
+          </p:cNvPr>
+          <p:cNvPicPr>
+            <a:picLocks noChangeAspect="1"/>
+          </p:cNvPicPr>
+          <p:nvPr/>
+        </p:nvPicPr>
+        <p:blipFill>
+          <a:blip r:embed="rId3"/>
+          <a:stretch>
+            <a:fillRect/>
+          </a:stretch>
+        </p:blipFill>
+        <p:spPr>
+          <a:xfrm>
+            <a:off x="8508566" y="4438835"/>
+            <a:ext cx="3119448" cy="2086252"/>
+          </a:xfrm>
+          <a:prstGeom prst="rect">
+            <a:avLst/>
+          </a:prstGeom>
+        </p:spPr>
+      </p:pic>
+      <p:pic>
+        <p:nvPicPr>
+          <p:cNvPr id="14" name="Picture 13">
+            <a:extLst>
+              <a:ext uri="{FF2B5EF4-FFF2-40B4-BE49-F238E27FC236}">
+                <a16:creationId xmlns:a16="http://schemas.microsoft.com/office/drawing/2014/main" id="{6DC30455-478F-4AEA-A786-E061CCB06862}"/>
+              </a:ext>
+            </a:extLst>
+          </p:cNvPr>
+          <p:cNvPicPr>
+            <a:picLocks noChangeAspect="1"/>
+          </p:cNvPicPr>
+          <p:nvPr/>
+        </p:nvPicPr>
+        <p:blipFill>
+          <a:blip r:embed="rId4"/>
+          <a:stretch>
+            <a:fillRect/>
+          </a:stretch>
+        </p:blipFill>
+        <p:spPr>
+          <a:xfrm>
+            <a:off x="4138676" y="4653239"/>
+            <a:ext cx="3660862" cy="1434946"/>
+          </a:xfrm>
+          <a:prstGeom prst="rect">
+            <a:avLst/>
+          </a:prstGeom>
+        </p:spPr>
+      </p:pic>
+      <p:pic>
+        <p:nvPicPr>
+          <p:cNvPr id="16" name="Picture 15">
+            <a:extLst>
+              <a:ext uri="{FF2B5EF4-FFF2-40B4-BE49-F238E27FC236}">
+                <a16:creationId xmlns:a16="http://schemas.microsoft.com/office/drawing/2014/main" id="{7AA47E31-4929-41C3-B465-7539C2D31C57}"/>
+              </a:ext>
+            </a:extLst>
+          </p:cNvPr>
+          <p:cNvPicPr>
+            <a:picLocks noChangeAspect="1"/>
+          </p:cNvPicPr>
+          <p:nvPr/>
+        </p:nvPicPr>
+        <p:blipFill>
+          <a:blip r:embed="rId5"/>
+          <a:stretch>
+            <a:fillRect/>
+          </a:stretch>
+        </p:blipFill>
+        <p:spPr>
+          <a:xfrm>
+            <a:off x="477814" y="4653239"/>
+            <a:ext cx="3660862" cy="1434946"/>
+          </a:xfrm>
+          <a:prstGeom prst="rect">
+            <a:avLst/>
+          </a:prstGeom>
+        </p:spPr>
+      </p:pic>
+      <p:sp>
+        <p:nvSpPr>
+          <p:cNvPr id="18" name="Text Placeholder 3">
+            <a:extLst>
+              <a:ext uri="{FF2B5EF4-FFF2-40B4-BE49-F238E27FC236}">
+                <a16:creationId xmlns:a16="http://schemas.microsoft.com/office/drawing/2014/main" id="{C8DFE35C-537F-45E6-9608-F3CF03C12C29}"/>
+              </a:ext>
+            </a:extLst>
+          </p:cNvPr>
+          <p:cNvSpPr txBox="1">
+            <a:spLocks/>
+          </p:cNvSpPr>
+          <p:nvPr/>
+        </p:nvSpPr>
+        <p:spPr>
+          <a:xfrm>
+            <a:off x="924480" y="3672494"/>
+            <a:ext cx="6021388" cy="519061"/>
+          </a:xfrm>
+          <a:prstGeom prst="rect">
+            <a:avLst/>
+          </a:prstGeom>
+        </p:spPr>
+        <p:txBody>
+          <a:bodyPr vert="horz" lIns="91440" tIns="45720" rIns="91440" bIns="45720" rtlCol="0" anchor="t">
+            <a:normAutofit/>
+          </a:bodyPr>
+          <a:lstStyle>
+            <a:lvl1pPr marL="0" indent="0" algn="l" defTabSz="457200" rtl="0" eaLnBrk="1" latinLnBrk="0" hangingPunct="1">
+              <a:spcBef>
+                <a:spcPct val="20000"/>
+              </a:spcBef>
+              <a:spcAft>
+                <a:spcPts val="600"/>
+              </a:spcAft>
+              <a:buClr>
+                <a:schemeClr val="tx1"/>
+              </a:buClr>
+              <a:buSzPct val="80000"/>
+              <a:buFont typeface="Wingdings 3" panose="05040102010807070707" pitchFamily="18" charset="2"/>
+              <a:buNone/>
+              <a:defRPr sz="1800" kern="1200" cap="none">
+                <a:solidFill>
+                  <a:schemeClr val="bg2">
+                    <a:lumMod val="75000"/>
+                  </a:schemeClr>
+                </a:solidFill>
+                <a:effectLst/>
+                <a:latin typeface="+mn-lt"/>
+                <a:ea typeface="+mn-ea"/>
+                <a:cs typeface="+mn-cs"/>
+              </a:defRPr>
+            </a:lvl1pPr>
+            <a:lvl2pPr marL="457200" indent="0" algn="l" defTabSz="457200" rtl="0" eaLnBrk="1" latinLnBrk="0" hangingPunct="1">
+              <a:spcBef>
+                <a:spcPct val="20000"/>
+              </a:spcBef>
+              <a:spcAft>
+                <a:spcPts val="600"/>
+              </a:spcAft>
+              <a:buClr>
+                <a:schemeClr val="tx1"/>
+              </a:buClr>
+              <a:buSzPct val="80000"/>
+              <a:buFont typeface="Wingdings 3" panose="05040102010807070707" pitchFamily="18" charset="2"/>
+              <a:buNone/>
+              <a:defRPr sz="1200" kern="1200" cap="none">
+                <a:solidFill>
+                  <a:schemeClr val="bg2">
+                    <a:lumMod val="75000"/>
+                  </a:schemeClr>
+                </a:solidFill>
+                <a:effectLst/>
+                <a:latin typeface="+mn-lt"/>
+                <a:ea typeface="+mn-ea"/>
+                <a:cs typeface="+mn-cs"/>
+              </a:defRPr>
+            </a:lvl2pPr>
+            <a:lvl3pPr marL="914400" indent="0" algn="l" defTabSz="457200" rtl="0" eaLnBrk="1" latinLnBrk="0" hangingPunct="1">
+              <a:spcBef>
+                <a:spcPct val="20000"/>
+              </a:spcBef>
+              <a:spcAft>
+                <a:spcPts val="600"/>
+              </a:spcAft>
+              <a:buClr>
+                <a:schemeClr val="tx1"/>
+              </a:buClr>
+              <a:buSzPct val="80000"/>
+              <a:buFont typeface="Wingdings 3" panose="05040102010807070707" pitchFamily="18" charset="2"/>
+              <a:buNone/>
+              <a:defRPr sz="1000" kern="1200" cap="none">
+                <a:solidFill>
+                  <a:schemeClr val="bg2">
+                    <a:lumMod val="75000"/>
+                  </a:schemeClr>
+                </a:solidFill>
+                <a:effectLst/>
+                <a:latin typeface="+mn-lt"/>
+                <a:ea typeface="+mn-ea"/>
+                <a:cs typeface="+mn-cs"/>
+              </a:defRPr>
+            </a:lvl3pPr>
+            <a:lvl4pPr marL="1371600" indent="0" algn="l" defTabSz="457200" rtl="0" eaLnBrk="1" latinLnBrk="0" hangingPunct="1">
+              <a:spcBef>
+                <a:spcPct val="20000"/>
+              </a:spcBef>
+              <a:spcAft>
+                <a:spcPts val="600"/>
+              </a:spcAft>
+              <a:buClr>
+                <a:schemeClr val="tx1"/>
+              </a:buClr>
+              <a:buSzPct val="80000"/>
+              <a:buFont typeface="Wingdings 3" panose="05040102010807070707" pitchFamily="18" charset="2"/>
+              <a:buNone/>
+              <a:defRPr sz="900" kern="1200" cap="none">
+                <a:solidFill>
+                  <a:schemeClr val="bg2">
+                    <a:lumMod val="75000"/>
+                  </a:schemeClr>
+                </a:solidFill>
+                <a:effectLst/>
+                <a:latin typeface="+mn-lt"/>
+                <a:ea typeface="+mn-ea"/>
+                <a:cs typeface="+mn-cs"/>
+              </a:defRPr>
+            </a:lvl4pPr>
+            <a:lvl5pPr marL="1828800" indent="0" algn="l" defTabSz="457200" rtl="0" eaLnBrk="1" latinLnBrk="0" hangingPunct="1">
+              <a:spcBef>
+                <a:spcPct val="20000"/>
+              </a:spcBef>
+              <a:spcAft>
+                <a:spcPts val="600"/>
+              </a:spcAft>
+              <a:buClr>
+                <a:schemeClr val="tx1"/>
+              </a:buClr>
+              <a:buSzPct val="80000"/>
+              <a:buFont typeface="Wingdings 3" panose="05040102010807070707" pitchFamily="18" charset="2"/>
+              <a:buNone/>
+              <a:defRPr sz="900" kern="1200" cap="none">
+                <a:solidFill>
+                  <a:schemeClr val="bg2">
+                    <a:lumMod val="75000"/>
+                  </a:schemeClr>
+                </a:solidFill>
+                <a:effectLst/>
+                <a:latin typeface="+mn-lt"/>
+                <a:ea typeface="+mn-ea"/>
+                <a:cs typeface="+mn-cs"/>
+              </a:defRPr>
+            </a:lvl5pPr>
+            <a:lvl6pPr marL="2286000" indent="0" algn="l" defTabSz="457200" rtl="0" eaLnBrk="1" latinLnBrk="0" hangingPunct="1">
+              <a:spcBef>
+                <a:spcPct val="20000"/>
+              </a:spcBef>
+              <a:spcAft>
+                <a:spcPts val="600"/>
+              </a:spcAft>
+              <a:buClr>
+                <a:schemeClr val="tx1"/>
+              </a:buClr>
+              <a:buSzPct val="80000"/>
+              <a:buFont typeface="Wingdings 3" panose="05040102010807070707" pitchFamily="18" charset="2"/>
+              <a:buNone/>
+              <a:defRPr sz="900" kern="1200" cap="none">
+                <a:solidFill>
+                  <a:schemeClr val="bg2">
+                    <a:lumMod val="75000"/>
+                  </a:schemeClr>
+                </a:solidFill>
+                <a:effectLst/>
+                <a:latin typeface="+mn-lt"/>
+                <a:ea typeface="+mn-ea"/>
+                <a:cs typeface="+mn-cs"/>
+              </a:defRPr>
+            </a:lvl6pPr>
+            <a:lvl7pPr marL="2743200" indent="0" algn="l" defTabSz="457200" rtl="0" eaLnBrk="1" latinLnBrk="0" hangingPunct="1">
+              <a:spcBef>
+                <a:spcPct val="20000"/>
+              </a:spcBef>
+              <a:spcAft>
+                <a:spcPts val="600"/>
+              </a:spcAft>
+              <a:buClr>
+                <a:schemeClr val="tx1"/>
+              </a:buClr>
+              <a:buSzPct val="80000"/>
+              <a:buFont typeface="Wingdings 3" panose="05040102010807070707" pitchFamily="18" charset="2"/>
+              <a:buNone/>
+              <a:defRPr sz="900" kern="1200" cap="none">
+                <a:solidFill>
+                  <a:schemeClr val="bg2">
+                    <a:lumMod val="75000"/>
+                  </a:schemeClr>
+                </a:solidFill>
+                <a:effectLst/>
+                <a:latin typeface="+mn-lt"/>
+                <a:ea typeface="+mn-ea"/>
+                <a:cs typeface="+mn-cs"/>
+              </a:defRPr>
+            </a:lvl7pPr>
+            <a:lvl8pPr marL="3200400" indent="0" algn="l" defTabSz="457200" rtl="0" eaLnBrk="1" latinLnBrk="0" hangingPunct="1">
+              <a:spcBef>
+                <a:spcPct val="20000"/>
+              </a:spcBef>
+              <a:spcAft>
+                <a:spcPts val="600"/>
+              </a:spcAft>
+              <a:buClr>
+                <a:schemeClr val="tx1"/>
+              </a:buClr>
+              <a:buSzPct val="80000"/>
+              <a:buFont typeface="Wingdings 3" panose="05040102010807070707" pitchFamily="18" charset="2"/>
+              <a:buNone/>
+              <a:defRPr sz="900" kern="1200" cap="none">
+                <a:solidFill>
+                  <a:schemeClr val="bg2">
+                    <a:lumMod val="75000"/>
+                  </a:schemeClr>
+                </a:solidFill>
+                <a:effectLst/>
+                <a:latin typeface="+mn-lt"/>
+                <a:ea typeface="+mn-ea"/>
+                <a:cs typeface="+mn-cs"/>
+              </a:defRPr>
+            </a:lvl8pPr>
+            <a:lvl9pPr marL="3657600" indent="0" algn="l" defTabSz="457200" rtl="0" eaLnBrk="1" latinLnBrk="0" hangingPunct="1">
+              <a:spcBef>
+                <a:spcPct val="20000"/>
+              </a:spcBef>
+              <a:spcAft>
+                <a:spcPts val="600"/>
+              </a:spcAft>
+              <a:buClr>
+                <a:schemeClr val="tx1"/>
+              </a:buClr>
+              <a:buSzPct val="80000"/>
+              <a:buFont typeface="Wingdings 3" panose="05040102010807070707" pitchFamily="18" charset="2"/>
+              <a:buNone/>
+              <a:defRPr sz="900" kern="1200" cap="none">
+                <a:solidFill>
+                  <a:schemeClr val="bg2">
+                    <a:lumMod val="75000"/>
+                  </a:schemeClr>
+                </a:solidFill>
+                <a:effectLst/>
+                <a:latin typeface="+mn-lt"/>
+                <a:ea typeface="+mn-ea"/>
+                <a:cs typeface="+mn-cs"/>
+              </a:defRPr>
+            </a:lvl9pPr>
+          </a:lstStyle>
+          <a:p>
+            <a:r>
+              <a:rPr lang="fi-FI" dirty="0">
+                <a:solidFill>
+                  <a:schemeClr val="bg1"/>
+                </a:solidFill>
+              </a:rPr>
+              <a:t>Terima kasih kepada rakan strategik kami:</a:t>
+            </a:r>
+            <a:endParaRPr lang="en-MY" dirty="0">
+              <a:solidFill>
+                <a:schemeClr val="bg1"/>
+              </a:solidFill>
+            </a:endParaRPr>
+          </a:p>
+        </p:txBody>
+      </p:sp>
+    </p:spTree>
+    <p:extLst>
+      <p:ext uri="{BB962C8B-B14F-4D97-AF65-F5344CB8AC3E}">
+        <p14:creationId xmlns:p14="http://schemas.microsoft.com/office/powerpoint/2010/main" val="2795689819"/>
+      </p:ext>
+    </p:extLst>
+  </p:cSld>
+  <p:clrMapOvr>
+    <a:masterClrMapping/>
+  </p:clrMapOvr>
+</p:sld>
+</file>
+
+<file path=ppt/slides/slide3.xml><?xml version="1.0" encoding="utf-8"?>
+<p:sld xmlns:a="http://schemas.openxmlformats.org/drawingml/2006/main" xmlns:r="http://schemas.openxmlformats.org/officeDocument/2006/relationships" xmlns:p="http://schemas.openxmlformats.org/presentationml/2006/main">
+  <p:cSld>
+    <p:spTree>
+      <p:nvGrpSpPr>
+        <p:cNvPr id="1" name=""/>
+        <p:cNvGrpSpPr/>
+        <p:nvPr/>
+      </p:nvGrpSpPr>
+      <p:grpSpPr>
+        <a:xfrm>
+          <a:off x="0" y="0"/>
+          <a:ext cx="0" cy="0"/>
+          <a:chOff x="0" y="0"/>
+          <a:chExt cx="0" cy="0"/>
+        </a:xfrm>
+      </p:grpSpPr>
+      <p:sp>
+        <p:nvSpPr>
           <p:cNvPr id="2" name="Title 1">
             <a:extLst>
               <a:ext uri="{FF2B5EF4-FFF2-40B4-BE49-F238E27FC236}">
@@ -5418,7 +6088,27 @@
           <a:bodyPr/>
           <a:lstStyle/>
           <a:p>
-            <a:endParaRPr lang="en-MY"/>
+            <a:r>
+              <a:rPr lang="en-US" dirty="0" err="1"/>
+              <a:t>Kisah-kisah</a:t>
+            </a:r>
+            <a:r>
+              <a:rPr lang="en-US" dirty="0"/>
+              <a:t> </a:t>
+            </a:r>
+            <a:r>
+              <a:rPr lang="en-US" dirty="0" err="1"/>
+              <a:t>tentang</a:t>
+            </a:r>
+            <a:r>
+              <a:rPr lang="en-US" dirty="0"/>
+              <a:t> </a:t>
+            </a:r>
+            <a:r>
+              <a:rPr lang="en-US" dirty="0" err="1"/>
+              <a:t>asoh</a:t>
+            </a:r>
+            <a:endParaRPr lang="en-MY" dirty="0"/>
           </a:p>
         </p:txBody>
       </p:sp>
@@ -5443,7 +6133,7 @@
           <a:bodyPr/>
           <a:lstStyle/>
           <a:p>
-            <a:endParaRPr lang="en-MY"/>
+            <a:endParaRPr lang="en-MY" dirty="0"/>
           </a:p>
         </p:txBody>
       </p:sp>
@@ -5460,8 +6150,858 @@
 </p:sld>
 </file>
 
-<file path=ppt/slides/slide3.xml><?xml version="1.0" encoding="utf-8"?>
+<file path=ppt/slides/slide4.xml><?xml version="1.0" encoding="utf-8"?>
 <p:sld xmlns:a="http://schemas.openxmlformats.org/drawingml/2006/main" xmlns:r="http://schemas.openxmlformats.org/officeDocument/2006/relationships" xmlns:p="http://schemas.openxmlformats.org/presentationml/2006/main">
+  <p:cSld>
+    <p:spTree>
+      <p:nvGrpSpPr>
+        <p:cNvPr id="1" name=""/>
+        <p:cNvGrpSpPr/>
+        <p:nvPr/>
+      </p:nvGrpSpPr>
+      <p:grpSpPr>
+        <a:xfrm>
+          <a:off x="0" y="0"/>
+          <a:ext cx="0" cy="0"/>
+          <a:chOff x="0" y="0"/>
+          <a:chExt cx="0" cy="0"/>
+        </a:xfrm>
+      </p:grpSpPr>
+      <p:pic>
+        <p:nvPicPr>
+          <p:cNvPr id="5" name="Picture 4">
+            <a:extLst>
+              <a:ext uri="{FF2B5EF4-FFF2-40B4-BE49-F238E27FC236}">
+                <a16:creationId xmlns:a16="http://schemas.microsoft.com/office/drawing/2014/main" id="{9791F6B7-9780-4FF6-A8C2-27766D8FBD12}"/>
+              </a:ext>
+            </a:extLst>
+          </p:cNvPr>
+          <p:cNvPicPr>
+            <a:picLocks noChangeAspect="1"/>
+          </p:cNvPicPr>
+          <p:nvPr/>
+        </p:nvPicPr>
+        <p:blipFill>
+          <a:blip r:embed="rId2"/>
+          <a:stretch>
+            <a:fillRect/>
+          </a:stretch>
+        </p:blipFill>
+        <p:spPr>
+          <a:xfrm>
+            <a:off x="2610783" y="3944065"/>
+            <a:ext cx="9363075" cy="2681536"/>
+          </a:xfrm>
+          <a:prstGeom prst="rect">
+            <a:avLst/>
+          </a:prstGeom>
+        </p:spPr>
+      </p:pic>
+      <p:sp>
+        <p:nvSpPr>
+          <p:cNvPr id="6" name="Rectangle 5">
+            <a:extLst>
+              <a:ext uri="{FF2B5EF4-FFF2-40B4-BE49-F238E27FC236}">
+                <a16:creationId xmlns:a16="http://schemas.microsoft.com/office/drawing/2014/main" id="{C8872A8B-66EA-4BCA-83F9-62C4AA5920C5}"/>
+              </a:ext>
+            </a:extLst>
+          </p:cNvPr>
+          <p:cNvSpPr/>
+          <p:nvPr/>
+        </p:nvSpPr>
+        <p:spPr>
+          <a:xfrm>
+            <a:off x="4953741" y="6625601"/>
+            <a:ext cx="7171724" cy="246221"/>
+          </a:xfrm>
+          <a:prstGeom prst="rect">
+            <a:avLst/>
+          </a:prstGeom>
+        </p:spPr>
+        <p:txBody>
+          <a:bodyPr wrap="square">
+            <a:spAutoFit/>
+          </a:bodyPr>
+          <a:lstStyle/>
+          <a:p>
+            <a:r>
+              <a:rPr lang="en-MY" sz="1000" dirty="0" err="1">
+                <a:solidFill>
+                  <a:schemeClr val="bg1"/>
+                </a:solidFill>
+              </a:rPr>
+              <a:t>Sumber</a:t>
+            </a:r>
+            <a:r>
+              <a:rPr lang="en-MY" sz="1000" dirty="0">
+                <a:solidFill>
+                  <a:schemeClr val="bg1"/>
+                </a:solidFill>
+              </a:rPr>
+              <a:t>: https://www.scmp.com/week-asia/politics/article/2135301/why-are-children-going-hungry-rich-malaysia</a:t>
+            </a:r>
+          </a:p>
+        </p:txBody>
+      </p:sp>
+      <p:pic>
+        <p:nvPicPr>
+          <p:cNvPr id="13" name="Picture 12">
+            <a:extLst>
+              <a:ext uri="{FF2B5EF4-FFF2-40B4-BE49-F238E27FC236}">
+                <a16:creationId xmlns:a16="http://schemas.microsoft.com/office/drawing/2014/main" id="{B2874623-CF3F-4FDA-842C-E60357DDCB12}"/>
+              </a:ext>
+            </a:extLst>
+          </p:cNvPr>
+          <p:cNvPicPr>
+            <a:picLocks noChangeAspect="1"/>
+          </p:cNvPicPr>
+          <p:nvPr/>
+        </p:nvPicPr>
+        <p:blipFill>
+          <a:blip r:embed="rId3"/>
+          <a:stretch>
+            <a:fillRect/>
+          </a:stretch>
+        </p:blipFill>
+        <p:spPr>
+          <a:xfrm>
+            <a:off x="470932" y="404812"/>
+            <a:ext cx="4733925" cy="2701022"/>
+          </a:xfrm>
+          <a:prstGeom prst="rect">
+            <a:avLst/>
+          </a:prstGeom>
+        </p:spPr>
+      </p:pic>
+      <p:sp>
+        <p:nvSpPr>
+          <p:cNvPr id="14" name="Rectangle 13">
+            <a:extLst>
+              <a:ext uri="{FF2B5EF4-FFF2-40B4-BE49-F238E27FC236}">
+                <a16:creationId xmlns:a16="http://schemas.microsoft.com/office/drawing/2014/main" id="{6EA12DEC-5C90-445A-8EB7-EE7F957073C6}"/>
+              </a:ext>
+            </a:extLst>
+          </p:cNvPr>
+          <p:cNvSpPr/>
+          <p:nvPr/>
+        </p:nvSpPr>
+        <p:spPr>
+          <a:xfrm>
+            <a:off x="470932" y="3182779"/>
+            <a:ext cx="6614080" cy="246221"/>
+          </a:xfrm>
+          <a:prstGeom prst="rect">
+            <a:avLst/>
+          </a:prstGeom>
+        </p:spPr>
+        <p:txBody>
+          <a:bodyPr wrap="square">
+            <a:spAutoFit/>
+          </a:bodyPr>
+          <a:lstStyle/>
+          <a:p>
+            <a:r>
+              <a:rPr lang="en-MY" sz="1000" dirty="0" err="1">
+                <a:solidFill>
+                  <a:schemeClr val="bg1"/>
+                </a:solidFill>
+              </a:rPr>
+              <a:t>Sumber</a:t>
+            </a:r>
+            <a:r>
+              <a:rPr lang="en-MY" sz="1000" dirty="0">
+                <a:solidFill>
+                  <a:schemeClr val="bg1"/>
+                </a:solidFill>
+              </a:rPr>
+              <a:t>: https://www.unicef.org/malaysia/media_urban_child_poverty.html</a:t>
+            </a:r>
+          </a:p>
+        </p:txBody>
+      </p:sp>
+      <p:pic>
+        <p:nvPicPr>
+          <p:cNvPr id="16" name="Picture 15">
+            <a:extLst>
+              <a:ext uri="{FF2B5EF4-FFF2-40B4-BE49-F238E27FC236}">
+                <a16:creationId xmlns:a16="http://schemas.microsoft.com/office/drawing/2014/main" id="{201E7E13-D40D-40ED-B2B2-09D8D288D4DD}"/>
+              </a:ext>
+            </a:extLst>
+          </p:cNvPr>
+          <p:cNvPicPr>
+            <a:picLocks noChangeAspect="1"/>
+          </p:cNvPicPr>
+          <p:nvPr/>
+        </p:nvPicPr>
+        <p:blipFill>
+          <a:blip r:embed="rId4"/>
+          <a:stretch>
+            <a:fillRect/>
+          </a:stretch>
+        </p:blipFill>
+        <p:spPr>
+          <a:xfrm>
+            <a:off x="5359778" y="390113"/>
+            <a:ext cx="6614080" cy="1571844"/>
+          </a:xfrm>
+          <a:prstGeom prst="rect">
+            <a:avLst/>
+          </a:prstGeom>
+        </p:spPr>
+      </p:pic>
+      <p:sp>
+        <p:nvSpPr>
+          <p:cNvPr id="18" name="Rectangle 17">
+            <a:extLst>
+              <a:ext uri="{FF2B5EF4-FFF2-40B4-BE49-F238E27FC236}">
+                <a16:creationId xmlns:a16="http://schemas.microsoft.com/office/drawing/2014/main" id="{280CCD0F-9248-429B-BCB8-E5EB25B0DDAA}"/>
+              </a:ext>
+            </a:extLst>
+          </p:cNvPr>
+          <p:cNvSpPr/>
+          <p:nvPr/>
+        </p:nvSpPr>
+        <p:spPr>
+          <a:xfrm>
+            <a:off x="5362320" y="2076912"/>
+            <a:ext cx="6611538" cy="400110"/>
+          </a:xfrm>
+          <a:prstGeom prst="rect">
+            <a:avLst/>
+          </a:prstGeom>
+        </p:spPr>
+        <p:txBody>
+          <a:bodyPr wrap="square">
+            <a:spAutoFit/>
+          </a:bodyPr>
+          <a:lstStyle/>
+          <a:p>
+            <a:r>
+              <a:rPr lang="en-MY" sz="1000" dirty="0" err="1">
+                <a:solidFill>
+                  <a:schemeClr val="bg1"/>
+                </a:solidFill>
+              </a:rPr>
+              <a:t>Sumber</a:t>
+            </a:r>
+            <a:r>
+              <a:rPr lang="en-MY" sz="1000" dirty="0">
+                <a:solidFill>
+                  <a:schemeClr val="bg1"/>
+                </a:solidFill>
+              </a:rPr>
+              <a:t>: http://www.astroawani.com/berita-malaysia/golongan-miskin-bandar-kurang-ambil-makanan-berkhasiat-penganalisis-178866</a:t>
+            </a:r>
+          </a:p>
+        </p:txBody>
+      </p:sp>
+    </p:spTree>
+    <p:extLst>
+      <p:ext uri="{BB962C8B-B14F-4D97-AF65-F5344CB8AC3E}">
+        <p14:creationId xmlns:p14="http://schemas.microsoft.com/office/powerpoint/2010/main" val="4091549781"/>
+      </p:ext>
+    </p:extLst>
+  </p:cSld>
+  <p:clrMapOvr>
+    <a:masterClrMapping/>
+  </p:clrMapOvr>
+</p:sld>
+</file>
+
+<file path=ppt/slides/slide5.xml><?xml version="1.0" encoding="utf-8"?>
+<p:sld xmlns:a="http://schemas.openxmlformats.org/drawingml/2006/main" xmlns:r="http://schemas.openxmlformats.org/officeDocument/2006/relationships" xmlns:p="http://schemas.openxmlformats.org/presentationml/2006/main">
+  <p:cSld>
+    <p:spTree>
+      <p:nvGrpSpPr>
+        <p:cNvPr id="1" name=""/>
+        <p:cNvGrpSpPr/>
+        <p:nvPr/>
+      </p:nvGrpSpPr>
+      <p:grpSpPr>
+        <a:xfrm>
+          <a:off x="0" y="0"/>
+          <a:ext cx="0" cy="0"/>
+          <a:chOff x="0" y="0"/>
+          <a:chExt cx="0" cy="0"/>
+        </a:xfrm>
+      </p:grpSpPr>
+      <p:sp>
+        <p:nvSpPr>
+          <p:cNvPr id="2" name="Title 1">
+            <a:extLst>
+              <a:ext uri="{FF2B5EF4-FFF2-40B4-BE49-F238E27FC236}">
+                <a16:creationId xmlns:a16="http://schemas.microsoft.com/office/drawing/2014/main" id="{9762C171-A528-4917-8664-80C5568D663B}"/>
+              </a:ext>
+            </a:extLst>
+          </p:cNvPr>
+          <p:cNvSpPr>
+            <a:spLocks noGrp="1"/>
+          </p:cNvSpPr>
+          <p:nvPr>
+            <p:ph type="title"/>
+          </p:nvPr>
+        </p:nvSpPr>
+        <p:spPr>
+          <a:xfrm>
+            <a:off x="6438450" y="529562"/>
+            <a:ext cx="5599670" cy="757700"/>
+          </a:xfrm>
+        </p:spPr>
+        <p:txBody>
+          <a:bodyPr>
+            <a:noAutofit/>
+          </a:bodyPr>
+          <a:lstStyle/>
+          <a:p>
+            <a:r>
+              <a:rPr lang="en-MY" sz="2000" dirty="0"/>
+              <a:t>MASALAH </a:t>
+            </a:r>
+            <a:r>
+              <a:rPr lang="en-MY" sz="2000" dirty="0" err="1"/>
+              <a:t>kekurangan</a:t>
+            </a:r>
+            <a:r>
+              <a:rPr lang="en-MY" sz="2000" dirty="0"/>
+              <a:t> </a:t>
+            </a:r>
+            <a:r>
+              <a:rPr lang="en-MY" sz="2000" dirty="0" err="1"/>
+              <a:t>zat</a:t>
+            </a:r>
+            <a:r>
+              <a:rPr lang="en-MY" sz="2000" dirty="0"/>
+              <a:t> </a:t>
+            </a:r>
+            <a:r>
+              <a:rPr lang="en-MY" sz="2000" dirty="0" err="1"/>
+              <a:t>makanan</a:t>
+            </a:r>
+            <a:r>
+              <a:rPr lang="en-MY" sz="2000" dirty="0"/>
+              <a:t> ANTARA ANAK-ANAK MISKIN DI BANDAR</a:t>
+            </a:r>
+          </a:p>
+        </p:txBody>
+      </p:sp>
+      <p:pic>
+        <p:nvPicPr>
+          <p:cNvPr id="5" name="Content Placeholder 4">
+            <a:extLst>
+              <a:ext uri="{FF2B5EF4-FFF2-40B4-BE49-F238E27FC236}">
+                <a16:creationId xmlns:a16="http://schemas.microsoft.com/office/drawing/2014/main" id="{354387AC-B45C-46A2-9976-4F1A53E8CBBA}"/>
+              </a:ext>
+            </a:extLst>
+          </p:cNvPr>
+          <p:cNvPicPr>
+            <a:picLocks noGrp="1" noChangeAspect="1"/>
+          </p:cNvPicPr>
+          <p:nvPr>
+            <p:ph idx="1"/>
+          </p:nvPr>
+        </p:nvPicPr>
+        <p:blipFill>
+          <a:blip r:embed="rId2"/>
+          <a:stretch>
+            <a:fillRect/>
+          </a:stretch>
+        </p:blipFill>
+        <p:spPr>
+          <a:xfrm>
+            <a:off x="1242874" y="529561"/>
+            <a:ext cx="4634143" cy="5864209"/>
+          </a:xfrm>
+          <a:prstGeom prst="rect">
+            <a:avLst/>
+          </a:prstGeom>
+        </p:spPr>
+      </p:pic>
+      <p:sp>
+        <p:nvSpPr>
+          <p:cNvPr id="4" name="Text Placeholder 3">
+            <a:extLst>
+              <a:ext uri="{FF2B5EF4-FFF2-40B4-BE49-F238E27FC236}">
+                <a16:creationId xmlns:a16="http://schemas.microsoft.com/office/drawing/2014/main" id="{E6DA421C-FA6E-4887-95A2-A2FA697AC212}"/>
+              </a:ext>
+            </a:extLst>
+          </p:cNvPr>
+          <p:cNvSpPr>
+            <a:spLocks noGrp="1"/>
+          </p:cNvSpPr>
+          <p:nvPr>
+            <p:ph type="body" sz="half" idx="2"/>
+          </p:nvPr>
+        </p:nvSpPr>
+        <p:spPr>
+          <a:xfrm>
+            <a:off x="6438450" y="5467665"/>
+            <a:ext cx="3657600" cy="338092"/>
+          </a:xfrm>
+        </p:spPr>
+        <p:txBody>
+          <a:bodyPr>
+            <a:noAutofit/>
+          </a:bodyPr>
+          <a:lstStyle/>
+          <a:p>
+            <a:r>
+              <a:rPr lang="en-US" sz="1800" dirty="0" err="1">
+                <a:solidFill>
+                  <a:schemeClr val="bg1"/>
+                </a:solidFill>
+              </a:rPr>
+              <a:t>Sumber</a:t>
+            </a:r>
+            <a:r>
+              <a:rPr lang="en-US" sz="1800" dirty="0">
+                <a:solidFill>
+                  <a:schemeClr val="bg1"/>
+                </a:solidFill>
+              </a:rPr>
+              <a:t> :</a:t>
+            </a:r>
+            <a:endParaRPr lang="en-MY" sz="1800" dirty="0">
+              <a:solidFill>
+                <a:schemeClr val="bg1"/>
+              </a:solidFill>
+            </a:endParaRPr>
+          </a:p>
+        </p:txBody>
+      </p:sp>
+      <p:sp>
+        <p:nvSpPr>
+          <p:cNvPr id="7" name="Rectangle 6">
+            <a:extLst>
+              <a:ext uri="{FF2B5EF4-FFF2-40B4-BE49-F238E27FC236}">
+                <a16:creationId xmlns:a16="http://schemas.microsoft.com/office/drawing/2014/main" id="{6FAA31E0-02CB-4ACB-9834-CF40BFCA665C}"/>
+              </a:ext>
+            </a:extLst>
+          </p:cNvPr>
+          <p:cNvSpPr/>
+          <p:nvPr/>
+        </p:nvSpPr>
+        <p:spPr>
+          <a:xfrm>
+            <a:off x="6438451" y="5747439"/>
+            <a:ext cx="6096000" cy="646331"/>
+          </a:xfrm>
+          <a:prstGeom prst="rect">
+            <a:avLst/>
+          </a:prstGeom>
+        </p:spPr>
+        <p:txBody>
+          <a:bodyPr>
+            <a:spAutoFit/>
+          </a:bodyPr>
+          <a:lstStyle/>
+          <a:p>
+            <a:r>
+              <a:rPr lang="en-MY" dirty="0">
+                <a:solidFill>
+                  <a:schemeClr val="bg1"/>
+                </a:solidFill>
+              </a:rPr>
+              <a:t>https://www.unicef.org/malaysia/UNICEF-Kanak-kanak-Pinggiran-MalayVersion-Final_26.2.18.pdf</a:t>
+            </a:r>
+          </a:p>
+        </p:txBody>
+      </p:sp>
+      <p:sp>
+        <p:nvSpPr>
+          <p:cNvPr id="8" name="Text Placeholder 3">
+            <a:extLst>
+              <a:ext uri="{FF2B5EF4-FFF2-40B4-BE49-F238E27FC236}">
+                <a16:creationId xmlns:a16="http://schemas.microsoft.com/office/drawing/2014/main" id="{4A474A9A-86EA-4DFA-8BCD-33B4B9A59FB3}"/>
+              </a:ext>
+            </a:extLst>
+          </p:cNvPr>
+          <p:cNvSpPr txBox="1">
+            <a:spLocks/>
+          </p:cNvSpPr>
+          <p:nvPr/>
+        </p:nvSpPr>
+        <p:spPr>
+          <a:xfrm>
+            <a:off x="6411818" y="1567036"/>
+            <a:ext cx="5599670" cy="3900629"/>
+          </a:xfrm>
+          <a:prstGeom prst="rect">
+            <a:avLst/>
+          </a:prstGeom>
+        </p:spPr>
+        <p:txBody>
+          <a:bodyPr vert="horz" lIns="91440" tIns="45720" rIns="91440" bIns="45720" rtlCol="0" anchor="t">
+            <a:noAutofit/>
+          </a:bodyPr>
+          <a:lstStyle>
+            <a:lvl1pPr marL="0" indent="0" algn="l" defTabSz="457200" rtl="0" eaLnBrk="1" latinLnBrk="0" hangingPunct="1">
+              <a:spcBef>
+                <a:spcPct val="20000"/>
+              </a:spcBef>
+              <a:spcAft>
+                <a:spcPts val="600"/>
+              </a:spcAft>
+              <a:buClr>
+                <a:schemeClr val="tx1"/>
+              </a:buClr>
+              <a:buSzPct val="80000"/>
+              <a:buFont typeface="Wingdings 3" panose="05040102010807070707" pitchFamily="18" charset="2"/>
+              <a:buNone/>
+              <a:defRPr sz="1600" kern="1200" cap="none">
+                <a:solidFill>
+                  <a:schemeClr val="bg2">
+                    <a:lumMod val="75000"/>
+                  </a:schemeClr>
+                </a:solidFill>
+                <a:effectLst/>
+                <a:latin typeface="+mn-lt"/>
+                <a:ea typeface="+mn-ea"/>
+                <a:cs typeface="+mn-cs"/>
+              </a:defRPr>
+            </a:lvl1pPr>
+            <a:lvl2pPr marL="457200" indent="0" algn="l" defTabSz="457200" rtl="0" eaLnBrk="1" latinLnBrk="0" hangingPunct="1">
+              <a:spcBef>
+                <a:spcPct val="20000"/>
+              </a:spcBef>
+              <a:spcAft>
+                <a:spcPts val="600"/>
+              </a:spcAft>
+              <a:buClr>
+                <a:schemeClr val="tx1"/>
+              </a:buClr>
+              <a:buSzPct val="80000"/>
+              <a:buFont typeface="Wingdings 3" panose="05040102010807070707" pitchFamily="18" charset="2"/>
+              <a:buNone/>
+              <a:defRPr sz="1200" kern="1200" cap="none">
+                <a:solidFill>
+                  <a:schemeClr val="bg2">
+                    <a:lumMod val="75000"/>
+                  </a:schemeClr>
+                </a:solidFill>
+                <a:effectLst/>
+                <a:latin typeface="+mn-lt"/>
+                <a:ea typeface="+mn-ea"/>
+                <a:cs typeface="+mn-cs"/>
+              </a:defRPr>
+            </a:lvl2pPr>
+            <a:lvl3pPr marL="914400" indent="0" algn="l" defTabSz="457200" rtl="0" eaLnBrk="1" latinLnBrk="0" hangingPunct="1">
+              <a:spcBef>
+                <a:spcPct val="20000"/>
+              </a:spcBef>
+              <a:spcAft>
+                <a:spcPts val="600"/>
+              </a:spcAft>
+              <a:buClr>
+                <a:schemeClr val="tx1"/>
+              </a:buClr>
+              <a:buSzPct val="80000"/>
+              <a:buFont typeface="Wingdings 3" panose="05040102010807070707" pitchFamily="18" charset="2"/>
+              <a:buNone/>
+              <a:defRPr sz="1000" kern="1200" cap="none">
+                <a:solidFill>
+                  <a:schemeClr val="bg2">
+                    <a:lumMod val="75000"/>
+                  </a:schemeClr>
+                </a:solidFill>
+                <a:effectLst/>
+                <a:latin typeface="+mn-lt"/>
+                <a:ea typeface="+mn-ea"/>
+                <a:cs typeface="+mn-cs"/>
+              </a:defRPr>
+            </a:lvl3pPr>
+            <a:lvl4pPr marL="1371600" indent="0" algn="l" defTabSz="457200" rtl="0" eaLnBrk="1" latinLnBrk="0" hangingPunct="1">
+              <a:spcBef>
+                <a:spcPct val="20000"/>
+              </a:spcBef>
+              <a:spcAft>
+                <a:spcPts val="600"/>
+              </a:spcAft>
+              <a:buClr>
+                <a:schemeClr val="tx1"/>
+              </a:buClr>
+              <a:buSzPct val="80000"/>
+              <a:buFont typeface="Wingdings 3" panose="05040102010807070707" pitchFamily="18" charset="2"/>
+              <a:buNone/>
+              <a:defRPr sz="900" kern="1200" cap="none">
+                <a:solidFill>
+                  <a:schemeClr val="bg2">
+                    <a:lumMod val="75000"/>
+                  </a:schemeClr>
+                </a:solidFill>
+                <a:effectLst/>
+                <a:latin typeface="+mn-lt"/>
+                <a:ea typeface="+mn-ea"/>
+                <a:cs typeface="+mn-cs"/>
+              </a:defRPr>
+            </a:lvl4pPr>
+            <a:lvl5pPr marL="1828800" indent="0" algn="l" defTabSz="457200" rtl="0" eaLnBrk="1" latinLnBrk="0" hangingPunct="1">
+              <a:spcBef>
+                <a:spcPct val="20000"/>
+              </a:spcBef>
+              <a:spcAft>
+                <a:spcPts val="600"/>
+              </a:spcAft>
+              <a:buClr>
+                <a:schemeClr val="tx1"/>
+              </a:buClr>
+              <a:buSzPct val="80000"/>
+              <a:buFont typeface="Wingdings 3" panose="05040102010807070707" pitchFamily="18" charset="2"/>
+              <a:buNone/>
+              <a:defRPr sz="900" kern="1200" cap="none">
+                <a:solidFill>
+                  <a:schemeClr val="bg2">
+                    <a:lumMod val="75000"/>
+                  </a:schemeClr>
+                </a:solidFill>
+                <a:effectLst/>
+                <a:latin typeface="+mn-lt"/>
+                <a:ea typeface="+mn-ea"/>
+                <a:cs typeface="+mn-cs"/>
+              </a:defRPr>
+            </a:lvl5pPr>
+            <a:lvl6pPr marL="2286000" indent="0" algn="l" defTabSz="457200" rtl="0" eaLnBrk="1" latinLnBrk="0" hangingPunct="1">
+              <a:spcBef>
+                <a:spcPct val="20000"/>
+              </a:spcBef>
+              <a:spcAft>
+                <a:spcPts val="600"/>
+              </a:spcAft>
+              <a:buClr>
+                <a:schemeClr val="tx1"/>
+              </a:buClr>
+              <a:buSzPct val="80000"/>
+              <a:buFont typeface="Wingdings 3" panose="05040102010807070707" pitchFamily="18" charset="2"/>
+              <a:buNone/>
+              <a:defRPr sz="900" kern="1200" cap="none">
+                <a:solidFill>
+                  <a:schemeClr val="bg2">
+                    <a:lumMod val="75000"/>
+                  </a:schemeClr>
+                </a:solidFill>
+                <a:effectLst/>
+                <a:latin typeface="+mn-lt"/>
+                <a:ea typeface="+mn-ea"/>
+                <a:cs typeface="+mn-cs"/>
+              </a:defRPr>
+            </a:lvl6pPr>
+            <a:lvl7pPr marL="2743200" indent="0" algn="l" defTabSz="457200" rtl="0" eaLnBrk="1" latinLnBrk="0" hangingPunct="1">
+              <a:spcBef>
+                <a:spcPct val="20000"/>
+              </a:spcBef>
+              <a:spcAft>
+                <a:spcPts val="600"/>
+              </a:spcAft>
+              <a:buClr>
+                <a:schemeClr val="tx1"/>
+              </a:buClr>
+              <a:buSzPct val="80000"/>
+              <a:buFont typeface="Wingdings 3" panose="05040102010807070707" pitchFamily="18" charset="2"/>
+              <a:buNone/>
+              <a:defRPr sz="900" kern="1200" cap="none">
+                <a:solidFill>
+                  <a:schemeClr val="bg2">
+                    <a:lumMod val="75000"/>
+                  </a:schemeClr>
+                </a:solidFill>
+                <a:effectLst/>
+                <a:latin typeface="+mn-lt"/>
+                <a:ea typeface="+mn-ea"/>
+                <a:cs typeface="+mn-cs"/>
+              </a:defRPr>
+            </a:lvl7pPr>
+            <a:lvl8pPr marL="3200400" indent="0" algn="l" defTabSz="457200" rtl="0" eaLnBrk="1" latinLnBrk="0" hangingPunct="1">
+              <a:spcBef>
+                <a:spcPct val="20000"/>
+              </a:spcBef>
+              <a:spcAft>
+                <a:spcPts val="600"/>
+              </a:spcAft>
+              <a:buClr>
+                <a:schemeClr val="tx1"/>
+              </a:buClr>
+              <a:buSzPct val="80000"/>
+              <a:buFont typeface="Wingdings 3" panose="05040102010807070707" pitchFamily="18" charset="2"/>
+              <a:buNone/>
+              <a:defRPr sz="900" kern="1200" cap="none">
+                <a:solidFill>
+                  <a:schemeClr val="bg2">
+                    <a:lumMod val="75000"/>
+                  </a:schemeClr>
+                </a:solidFill>
+                <a:effectLst/>
+                <a:latin typeface="+mn-lt"/>
+                <a:ea typeface="+mn-ea"/>
+                <a:cs typeface="+mn-cs"/>
+              </a:defRPr>
+            </a:lvl8pPr>
+            <a:lvl9pPr marL="3657600" indent="0" algn="l" defTabSz="457200" rtl="0" eaLnBrk="1" latinLnBrk="0" hangingPunct="1">
+              <a:spcBef>
+                <a:spcPct val="20000"/>
+              </a:spcBef>
+              <a:spcAft>
+                <a:spcPts val="600"/>
+              </a:spcAft>
+              <a:buClr>
+                <a:schemeClr val="tx1"/>
+              </a:buClr>
+              <a:buSzPct val="80000"/>
+              <a:buFont typeface="Wingdings 3" panose="05040102010807070707" pitchFamily="18" charset="2"/>
+              <a:buNone/>
+              <a:defRPr sz="900" kern="1200" cap="none">
+                <a:solidFill>
+                  <a:schemeClr val="bg2">
+                    <a:lumMod val="75000"/>
+                  </a:schemeClr>
+                </a:solidFill>
+                <a:effectLst/>
+                <a:latin typeface="+mn-lt"/>
+                <a:ea typeface="+mn-ea"/>
+                <a:cs typeface="+mn-cs"/>
+              </a:defRPr>
+            </a:lvl9pPr>
+          </a:lstStyle>
+          <a:p>
+            <a:r>
+              <a:rPr lang="en-US" sz="2000" noProof="1">
+                <a:solidFill>
+                  <a:schemeClr val="bg1"/>
+                </a:solidFill>
+              </a:rPr>
+              <a:t>Kaji selidik ini mendapati </a:t>
+            </a:r>
+          </a:p>
+          <a:p>
+            <a:pPr marL="285750" indent="-285750">
+              <a:buFont typeface="Courier New" panose="02070309020205020404" pitchFamily="49" charset="0"/>
+              <a:buChar char="o"/>
+            </a:pPr>
+            <a:r>
+              <a:rPr lang="en-US" sz="2000" noProof="1">
+                <a:solidFill>
+                  <a:schemeClr val="bg1"/>
+                </a:solidFill>
+              </a:rPr>
+              <a:t>kira-kira 22 peratus kanak-kanak bawah umur 5 tahun mengalami pertumbuhan yang terbantut; </a:t>
+            </a:r>
+          </a:p>
+          <a:p>
+            <a:pPr marL="285750" indent="-285750">
+              <a:buFont typeface="Courier New" panose="02070309020205020404" pitchFamily="49" charset="0"/>
+              <a:buChar char="o"/>
+            </a:pPr>
+            <a:r>
+              <a:rPr lang="en-US" sz="2000" noProof="1">
+                <a:solidFill>
+                  <a:schemeClr val="bg1"/>
+                </a:solidFill>
+              </a:rPr>
+              <a:t>15 peratus mengalami kurang berat badan;</a:t>
+            </a:r>
+          </a:p>
+          <a:p>
+            <a:pPr marL="285750" indent="-285750">
+              <a:buFont typeface="Courier New" panose="02070309020205020404" pitchFamily="49" charset="0"/>
+              <a:buChar char="o"/>
+            </a:pPr>
+            <a:r>
+              <a:rPr lang="en-US" sz="2000" noProof="1">
+                <a:solidFill>
+                  <a:schemeClr val="bg1"/>
+                </a:solidFill>
+              </a:rPr>
+              <a:t>20 peratus mengalami kurus kering; dan</a:t>
+            </a:r>
+          </a:p>
+          <a:p>
+            <a:pPr marL="285750" indent="-285750">
+              <a:buFont typeface="Courier New" panose="02070309020205020404" pitchFamily="49" charset="0"/>
+              <a:buChar char="o"/>
+            </a:pPr>
+            <a:r>
+              <a:rPr lang="en-US" sz="2000" noProof="1">
+                <a:solidFill>
+                  <a:schemeClr val="bg1"/>
+                </a:solidFill>
+              </a:rPr>
+              <a:t>23 peratus sama ada mengalami berat badan berlebihan ataupun obes.</a:t>
+            </a:r>
+          </a:p>
+        </p:txBody>
+      </p:sp>
+    </p:spTree>
+    <p:extLst>
+      <p:ext uri="{BB962C8B-B14F-4D97-AF65-F5344CB8AC3E}">
+        <p14:creationId xmlns:p14="http://schemas.microsoft.com/office/powerpoint/2010/main" val="2674484789"/>
+      </p:ext>
+    </p:extLst>
+  </p:cSld>
+  <p:clrMapOvr>
+    <a:masterClrMapping/>
+  </p:clrMapOvr>
+</p:sld>
+</file>
+
+<file path=ppt/slides/slide6.xml><?xml version="1.0" encoding="utf-8"?>
+<p:sld xmlns:a="http://schemas.openxmlformats.org/drawingml/2006/main" xmlns:r="http://schemas.openxmlformats.org/officeDocument/2006/relationships" xmlns:p="http://schemas.openxmlformats.org/presentationml/2006/main">
+  <p:cSld>
+    <p:spTree>
+      <p:nvGrpSpPr>
+        <p:cNvPr id="1" name=""/>
+        <p:cNvGrpSpPr/>
+        <p:nvPr/>
+      </p:nvGrpSpPr>
+      <p:grpSpPr>
+        <a:xfrm>
+          <a:off x="0" y="0"/>
+          <a:ext cx="0" cy="0"/>
+          <a:chOff x="0" y="0"/>
+          <a:chExt cx="0" cy="0"/>
+        </a:xfrm>
+      </p:grpSpPr>
+      <p:sp>
+        <p:nvSpPr>
+          <p:cNvPr id="2" name="Title 1">
+            <a:extLst>
+              <a:ext uri="{FF2B5EF4-FFF2-40B4-BE49-F238E27FC236}">
+                <a16:creationId xmlns:a16="http://schemas.microsoft.com/office/drawing/2014/main" id="{8DED404A-A9E2-442D-9199-05F6199CFD7C}"/>
+              </a:ext>
+            </a:extLst>
+          </p:cNvPr>
+          <p:cNvSpPr>
+            <a:spLocks noGrp="1"/>
+          </p:cNvSpPr>
+          <p:nvPr>
+            <p:ph type="title"/>
+          </p:nvPr>
+        </p:nvSpPr>
+        <p:spPr/>
+        <p:txBody>
+          <a:bodyPr/>
+          <a:lstStyle/>
+          <a:p>
+            <a:r>
+              <a:rPr lang="en-US" dirty="0"/>
+              <a:t>DEMO</a:t>
+            </a:r>
+            <a:endParaRPr lang="en-MY" dirty="0"/>
+          </a:p>
+        </p:txBody>
+      </p:sp>
+    </p:spTree>
+    <p:extLst>
+      <p:ext uri="{BB962C8B-B14F-4D97-AF65-F5344CB8AC3E}">
+        <p14:creationId xmlns:p14="http://schemas.microsoft.com/office/powerpoint/2010/main" val="3201957681"/>
+      </p:ext>
+    </p:extLst>
+  </p:cSld>
+  <p:clrMapOvr>
+    <a:masterClrMapping/>
+  </p:clrMapOvr>
+</p:sld>
+</file>
+
+<file path=ppt/slides/slide7.xml><?xml version="1.0" encoding="utf-8"?>
+<p:sld xmlns:a="http://schemas.openxmlformats.org/drawingml/2006/main" xmlns:r="http://schemas.openxmlformats.org/officeDocument/2006/relationships" xmlns:p="http://schemas.openxmlformats.org/presentationml/2006/main" show="0">
   <p:cSld>
     <p:spTree>
       <p:nvGrpSpPr>
@@ -7613,8 +9153,8 @@
 </p:sld>
 </file>
 
-<file path=ppt/slides/slide4.xml><?xml version="1.0" encoding="utf-8"?>
-<p:sld xmlns:a="http://schemas.openxmlformats.org/drawingml/2006/main" xmlns:r="http://schemas.openxmlformats.org/officeDocument/2006/relationships" xmlns:p="http://schemas.openxmlformats.org/presentationml/2006/main">
+<file path=ppt/slides/slide8.xml><?xml version="1.0" encoding="utf-8"?>
+<p:sld xmlns:a="http://schemas.openxmlformats.org/drawingml/2006/main" xmlns:r="http://schemas.openxmlformats.org/officeDocument/2006/relationships" xmlns:p="http://schemas.openxmlformats.org/presentationml/2006/main" show="0">
   <p:cSld>
     <p:spTree>
       <p:nvGrpSpPr>

--- a/Design_Draft.pptx
+++ b/Design_Draft.pptx
@@ -5389,13 +5389,26 @@
           <a:lstStyle/>
           <a:p>
             <a:r>
-              <a:rPr lang="en-US" dirty="0">
+              <a:rPr lang="en-US" dirty="0" err="1">
                 <a:solidFill>
                   <a:schemeClr val="tx1"/>
                 </a:solidFill>
               </a:rPr>
-              <a:t>Presented by: </a:t>
-            </a:r>
+              <a:t>Dibentang</a:t>
+            </a:r>
+            <a:r>
+              <a:rPr lang="en-US">
+                <a:solidFill>
+                  <a:schemeClr val="tx1"/>
+                </a:solidFill>
+              </a:rPr>
+              <a:t> oleh: </a:t>
+            </a:r>
+            <a:endParaRPr lang="en-US" dirty="0">
+              <a:solidFill>
+                <a:schemeClr val="tx1"/>
+              </a:solidFill>
+            </a:endParaRPr>
           </a:p>
           <a:p>
             <a:r>
